--- a/CERTIFICATE OF COMPLETION.pptx
+++ b/CERTIFICATE OF COMPLETION.pptx
@@ -418,7 +418,7 @@
                 <a16:creationId xmlns:a16="http://schemas.microsoft.com/office/drawing/2014/main" id="{3049D150-13BC-384D-BEE8-E9527DB6057F}"/>
               </a:ext>
               <a:ext uri="{C183D7F6-B498-43B3-948B-1728B52AA6E4}">
-                <adec:decorative xmlns:adec="http://schemas.microsoft.com/office/drawing/2017/decorative" xmlns="" val="1"/>
+                <adec:decorative xmlns:adec="http://schemas.microsoft.com/office/drawing/2017/decorative" val="1"/>
               </a:ext>
             </a:extLst>
           </p:cNvPr>
@@ -2538,7 +2538,7 @@
           <a:p>
             <a:fld id="{A2355A94-CD46-C44F-8A53-8AA853BE1DF7}" type="datetimeFigureOut">
               <a:rPr lang="en-US" smtClean="0"/>
-              <a:t>3/15/2022</a:t>
+              <a:t>10/24/2024</a:t>
             </a:fld>
             <a:endParaRPr lang="en-US"/>
           </a:p>
@@ -3026,8 +3026,12 @@
           <a:lstStyle/>
           <a:p>
             <a:r>
-              <a:rPr lang="en-US" dirty="0" smtClean="0"/>
-              <a:t>Ali Falah Hassan</a:t>
+              <a:rPr lang="en-US" dirty="0"/>
+              <a:t>Nikhil </a:t>
+            </a:r>
+            <a:r>
+              <a:rPr lang="en-IN"/>
+              <a:t>Agrawal </a:t>
             </a:r>
             <a:endParaRPr lang="en-US" dirty="0"/>
           </a:p>
@@ -3063,19 +3067,7 @@
               <a:rPr lang="en-US" dirty="0">
                 <a:latin typeface="Bahnschrift Light" panose="020B0502040204020203" pitchFamily="34" charset="0"/>
               </a:rPr>
-              <a:t>TO CERTIFY Completion of a </a:t>
-            </a:r>
-            <a:r>
-              <a:rPr lang="en-US" dirty="0" smtClean="0">
-                <a:latin typeface="Bahnschrift Light" panose="020B0502040204020203" pitchFamily="34" charset="0"/>
-              </a:rPr>
-              <a:t>Bachelor's </a:t>
-            </a:r>
-            <a:r>
-              <a:rPr lang="en-US" dirty="0">
-                <a:latin typeface="Bahnschrift Light" panose="020B0502040204020203" pitchFamily="34" charset="0"/>
-              </a:rPr>
-              <a:t>degree</a:t>
+              <a:t>TO CERTIFY Completion of a Bachelor's degree</a:t>
             </a:r>
           </a:p>
         </p:txBody>
@@ -3135,10 +3127,9 @@
           <a:lstStyle/>
           <a:p>
             <a:r>
-              <a:rPr lang="en-US" dirty="0" smtClean="0"/>
+              <a:rPr lang="en-US" dirty="0"/>
               <a:t>Dr. Omar Ali</a:t>
             </a:r>
-            <a:endParaRPr lang="en-US" dirty="0"/>
           </a:p>
         </p:txBody>
       </p:sp>
@@ -3169,10 +3160,9 @@
           <a:lstStyle/>
           <a:p>
             <a:r>
-              <a:rPr lang="en-US" dirty="0" smtClean="0"/>
+              <a:rPr lang="en-US" dirty="0"/>
               <a:t>March 2022</a:t>
             </a:r>
-            <a:endParaRPr lang="en-US" dirty="0"/>
           </a:p>
         </p:txBody>
       </p:sp>
@@ -3203,10 +3193,9 @@
           <a:lstStyle/>
           <a:p>
             <a:r>
-              <a:rPr lang="en-US" dirty="0" smtClean="0"/>
+              <a:rPr lang="en-US" dirty="0"/>
               <a:t>Date : 11/3/2022</a:t>
             </a:r>
-            <a:endParaRPr lang="en-US" dirty="0"/>
           </a:p>
         </p:txBody>
       </p:sp>
@@ -3248,7 +3237,7 @@
             <a:blip r:embed="rId3">
               <a:extLst>
                 <a:ext uri="{96DAC541-7B7A-43D3-8B79-37D633B846F1}">
-                  <asvg:svgBlip xmlns:asvg="http://schemas.microsoft.com/office/drawing/2016/SVG/main" xmlns="" r:embed="rId4"/>
+                  <asvg:svgBlip xmlns:asvg="http://schemas.microsoft.com/office/drawing/2016/SVG/main" r:embed="rId4"/>
                 </a:ext>
               </a:extLst>
             </a:blip>
@@ -3476,7 +3465,7 @@
                 <a:defRPr/>
               </a:pPr>
               <a:r>
-                <a:rPr kumimoji="0" lang="en-US" sz="1500" b="0" i="0" u="none" strike="noStrike" kern="1200" cap="none" spc="0" normalizeH="0" baseline="0" noProof="0" dirty="0" smtClean="0">
+                <a:rPr kumimoji="0" lang="en-US" sz="1500" b="0" i="0" u="none" strike="noStrike" kern="1200" cap="none" spc="0" normalizeH="0" baseline="0" noProof="0" dirty="0">
                   <a:ln>
                     <a:noFill/>
                   </a:ln>
@@ -3495,7 +3484,7 @@
                 <a:t>Al-</a:t>
               </a:r>
               <a:r>
-                <a:rPr kumimoji="0" lang="en-US" sz="1500" b="0" i="0" u="none" strike="noStrike" kern="1200" cap="none" spc="0" normalizeH="0" baseline="0" noProof="0" dirty="0" err="1" smtClean="0">
+                <a:rPr kumimoji="0" lang="en-US" sz="1500" b="0" i="0" u="none" strike="noStrike" kern="1200" cap="none" spc="0" normalizeH="0" baseline="0" noProof="0" dirty="0" err="1">
                   <a:ln>
                     <a:noFill/>
                   </a:ln>
@@ -3514,7 +3503,7 @@
                 <a:t>Khawarizmi</a:t>
               </a:r>
               <a:r>
-                <a:rPr kumimoji="0" lang="en-US" sz="1500" b="0" i="0" u="none" strike="noStrike" kern="1200" cap="none" spc="0" normalizeH="0" baseline="0" noProof="0" dirty="0" smtClean="0">
+                <a:rPr kumimoji="0" lang="en-US" sz="1500" b="0" i="0" u="none" strike="noStrike" kern="1200" cap="none" spc="0" normalizeH="0" baseline="0" noProof="0" dirty="0">
                   <a:ln>
                     <a:noFill/>
                   </a:ln>
@@ -3532,22 +3521,6 @@
                 </a:rPr>
                 <a:t> College</a:t>
               </a:r>
-              <a:endParaRPr kumimoji="0" lang="en-US" sz="1500" b="0" i="0" u="none" strike="noStrike" kern="1200" cap="none" spc="0" normalizeH="0" baseline="0" noProof="0" dirty="0">
-                <a:ln>
-                  <a:noFill/>
-                </a:ln>
-                <a:solidFill>
-                  <a:srgbClr val="A4D8D7">
-                    <a:lumMod val="50000"/>
-                  </a:srgbClr>
-                </a:solidFill>
-                <a:effectLst/>
-                <a:uLnTx/>
-                <a:uFillTx/>
-                <a:latin typeface="+mn-lt"/>
-                <a:ea typeface="+mn-ea"/>
-                <a:cs typeface="+mn-cs"/>
-              </a:endParaRPr>
             </a:p>
           </p:txBody>
         </p:sp>
@@ -3767,31 +3740,6 @@
 </file>
 
 <file path=customXml/item1.xml><?xml version="1.0" encoding="utf-8"?>
-<p:properties xmlns:p="http://schemas.microsoft.com/office/2006/metadata/properties" xmlns:xsi="http://www.w3.org/2001/XMLSchema-instance" xmlns:pc="http://schemas.microsoft.com/office/infopath/2007/PartnerControls">
-  <documentManagement>
-    <_ip_UnifiedCompliancePolicyUIAction xmlns="http://schemas.microsoft.com/sharepoint/v3" xsi:nil="true"/>
-    <Image xmlns="71af3243-3dd4-4a8d-8c0d-dd76da1f02a5">
-      <Url xsi:nil="true"/>
-      <Description xsi:nil="true"/>
-    </Image>
-    <Status xmlns="71af3243-3dd4-4a8d-8c0d-dd76da1f02a5">Not started</Status>
-    <_ip_UnifiedCompliancePolicyProperties xmlns="http://schemas.microsoft.com/sharepoint/v3" xsi:nil="true"/>
-    <TaxCatchAll xmlns="230e9df3-be65-4c73-a93b-d1236ebd677e"/>
-    <MediaServiceKeyPoints xmlns="71af3243-3dd4-4a8d-8c0d-dd76da1f02a5" xsi:nil="true"/>
-  </documentManagement>
-</p:properties>
-</file>
-
-<file path=customXml/item2.xml><?xml version="1.0" encoding="utf-8"?>
-<?mso-contentType ?>
-<FormTemplates xmlns="http://schemas.microsoft.com/sharepoint/v3/contenttype/forms">
-  <Display>DocumentLibraryForm</Display>
-  <Edit>DocumentLibraryForm</Edit>
-  <New>DocumentLibraryForm</New>
-</FormTemplates>
-</file>
-
-<file path=customXml/item3.xml><?xml version="1.0" encoding="utf-8"?>
 <ct:contentTypeSchema xmlns:ct="http://schemas.microsoft.com/office/2006/metadata/contentType" xmlns:ma="http://schemas.microsoft.com/office/2006/metadata/properties/metaAttributes" ct:_="" ma:_="" ma:contentTypeName="Document" ma:contentTypeID="0x01010079F111ED35F8CC479449609E8A0923A6" ma:contentTypeVersion="18" ma:contentTypeDescription="Create a new document." ma:contentTypeScope="" ma:versionID="27a416adda3cf0f491a4f548a2367a54">
   <xsd:schema xmlns:xsd="http://www.w3.org/2001/XMLSchema" xmlns:xs="http://www.w3.org/2001/XMLSchema" xmlns:p="http://schemas.microsoft.com/office/2006/metadata/properties" xmlns:ns1="http://schemas.microsoft.com/sharepoint/v3" xmlns:ns2="71af3243-3dd4-4a8d-8c0d-dd76da1f02a5" xmlns:ns3="16c05727-aa75-4e4a-9b5f-8a80a1165891" xmlns:ns4="230e9df3-be65-4c73-a93b-d1236ebd677e" targetNamespace="http://schemas.microsoft.com/office/2006/metadata/properties" ma:root="true" ma:fieldsID="2ef98d826045059a9b3c156985e150db" ns1:_="" ns2:_="" ns3:_="" ns4:_="">
     <xsd:import namespace="http://schemas.microsoft.com/sharepoint/v3"/>
@@ -4059,27 +4007,32 @@
 </ct:contentTypeSchema>
 </file>
 
-<file path=customXml/itemProps1.xml><?xml version="1.0" encoding="utf-8"?>
-<ds:datastoreItem xmlns:ds="http://schemas.openxmlformats.org/officeDocument/2006/customXml" ds:itemID="{24C9F87E-2C00-4D48-8B1C-2CE72876965B}">
-  <ds:schemaRefs>
-    <ds:schemaRef ds:uri="http://schemas.microsoft.com/office/2006/metadata/properties"/>
-    <ds:schemaRef ds:uri="http://schemas.microsoft.com/office/infopath/2007/PartnerControls"/>
-    <ds:schemaRef ds:uri="http://schemas.microsoft.com/sharepoint/v3"/>
-    <ds:schemaRef ds:uri="71af3243-3dd4-4a8d-8c0d-dd76da1f02a5"/>
-    <ds:schemaRef ds:uri="230e9df3-be65-4c73-a93b-d1236ebd677e"/>
-  </ds:schemaRefs>
-</ds:datastoreItem>
+<file path=customXml/item2.xml><?xml version="1.0" encoding="utf-8"?>
+<?mso-contentType ?>
+<FormTemplates xmlns="http://schemas.microsoft.com/sharepoint/v3/contenttype/forms">
+  <Display>DocumentLibraryForm</Display>
+  <Edit>DocumentLibraryForm</Edit>
+  <New>DocumentLibraryForm</New>
+</FormTemplates>
 </file>
 
-<file path=customXml/itemProps2.xml><?xml version="1.0" encoding="utf-8"?>
-<ds:datastoreItem xmlns:ds="http://schemas.openxmlformats.org/officeDocument/2006/customXml" ds:itemID="{BF0EBEEB-FF9E-4504-B160-750CA633CFB5}">
-  <ds:schemaRefs>
-    <ds:schemaRef ds:uri="http://schemas.microsoft.com/sharepoint/v3/contenttype/forms"/>
-  </ds:schemaRefs>
-</ds:datastoreItem>
+<file path=customXml/item3.xml><?xml version="1.0" encoding="utf-8"?>
+<p:properties xmlns:p="http://schemas.microsoft.com/office/2006/metadata/properties" xmlns:xsi="http://www.w3.org/2001/XMLSchema-instance" xmlns:pc="http://schemas.microsoft.com/office/infopath/2007/PartnerControls">
+  <documentManagement>
+    <_ip_UnifiedCompliancePolicyUIAction xmlns="http://schemas.microsoft.com/sharepoint/v3" xsi:nil="true"/>
+    <Image xmlns="71af3243-3dd4-4a8d-8c0d-dd76da1f02a5">
+      <Url xsi:nil="true"/>
+      <Description xsi:nil="true"/>
+    </Image>
+    <Status xmlns="71af3243-3dd4-4a8d-8c0d-dd76da1f02a5">Not started</Status>
+    <_ip_UnifiedCompliancePolicyProperties xmlns="http://schemas.microsoft.com/sharepoint/v3" xsi:nil="true"/>
+    <TaxCatchAll xmlns="230e9df3-be65-4c73-a93b-d1236ebd677e"/>
+    <MediaServiceKeyPoints xmlns="71af3243-3dd4-4a8d-8c0d-dd76da1f02a5" xsi:nil="true"/>
+  </documentManagement>
+</p:properties>
 </file>
 
-<file path=customXml/itemProps3.xml><?xml version="1.0" encoding="utf-8"?>
+<file path=customXml/itemProps1.xml><?xml version="1.0" encoding="utf-8"?>
 <ds:datastoreItem xmlns:ds="http://schemas.openxmlformats.org/officeDocument/2006/customXml" ds:itemID="{174CC6EA-A1D4-47CC-A39B-C0CBD0BDE586}">
   <ds:schemaRefs>
     <ds:schemaRef ds:uri="http://schemas.microsoft.com/office/2006/metadata/contentType"/>
@@ -4098,4 +4051,24 @@
     <ds:schemaRef ds:uri="http://schemas.microsoft.com/internal/obd"/>
   </ds:schemaRefs>
 </ds:datastoreItem>
+</file>
+
+<file path=customXml/itemProps2.xml><?xml version="1.0" encoding="utf-8"?>
+<ds:datastoreItem xmlns:ds="http://schemas.openxmlformats.org/officeDocument/2006/customXml" ds:itemID="{BF0EBEEB-FF9E-4504-B160-750CA633CFB5}">
+  <ds:schemaRefs>
+    <ds:schemaRef ds:uri="http://schemas.microsoft.com/sharepoint/v3/contenttype/forms"/>
+  </ds:schemaRefs>
+</ds:datastoreItem>
+</file>
+
+<file path=customXml/itemProps3.xml><?xml version="1.0" encoding="utf-8"?>
+<ds:datastoreItem xmlns:ds="http://schemas.openxmlformats.org/officeDocument/2006/customXml" ds:itemID="{24C9F87E-2C00-4D48-8B1C-2CE72876965B}">
+  <ds:schemaRefs>
+    <ds:schemaRef ds:uri="http://schemas.microsoft.com/office/2006/metadata/properties"/>
+    <ds:schemaRef ds:uri="http://schemas.microsoft.com/office/infopath/2007/PartnerControls"/>
+    <ds:schemaRef ds:uri="http://schemas.microsoft.com/sharepoint/v3"/>
+    <ds:schemaRef ds:uri="71af3243-3dd4-4a8d-8c0d-dd76da1f02a5"/>
+    <ds:schemaRef ds:uri="230e9df3-be65-4c73-a93b-d1236ebd677e"/>
+  </ds:schemaRefs>
+</ds:datastoreItem>
 </file>